--- a/Projects.pptx
+++ b/Projects.pptx
@@ -5638,10 +5638,10 @@
           <a:p>
             <a:pPr rtl="1"/>
             <a:r>
-              <a:rPr lang="en-US" sz="5400" dirty="0" smtClean="0"/>
+              <a:rPr lang="en-US" sz="5400" b="1" dirty="0" smtClean="0"/>
               <a:t>Recipe-Recommendation-System</a:t>
             </a:r>
-            <a:endParaRPr lang="en-EG" sz="5400" dirty="0"/>
+            <a:endParaRPr lang="en-EG" sz="5400" b="1" dirty="0"/>
           </a:p>
         </p:txBody>
       </p:sp>
@@ -5668,22 +5668,56 @@
           </a:xfrm>
         </p:spPr>
         <p:txBody>
-          <a:bodyPr/>
+          <a:bodyPr>
+            <a:normAutofit/>
+          </a:bodyPr>
           <a:lstStyle/>
           <a:p>
             <a:r>
-              <a:rPr lang="en-US" dirty="0" err="1" smtClean="0"/>
+              <a:rPr lang="en-US" sz="3200" b="1" dirty="0" err="1" smtClean="0">
+                <a:solidFill>
+                  <a:schemeClr val="accent4"/>
+                </a:solidFill>
+              </a:rPr>
               <a:t>Nour</a:t>
             </a:r>
             <a:r>
-              <a:rPr lang="en-US" dirty="0" smtClean="0"/>
+              <a:rPr lang="en-US" sz="3200" b="1" dirty="0" smtClean="0">
+                <a:solidFill>
+                  <a:schemeClr val="accent4"/>
+                </a:solidFill>
+              </a:rPr>
               <a:t> </a:t>
             </a:r>
             <a:r>
-              <a:rPr lang="en-US" dirty="0" err="1" smtClean="0"/>
-              <a:t>Shoshrah</a:t>
-            </a:r>
-            <a:endParaRPr lang="en-EG" dirty="0"/>
+              <a:rPr lang="en-US" sz="3200" b="1" dirty="0" err="1" smtClean="0">
+                <a:solidFill>
+                  <a:schemeClr val="accent4"/>
+                </a:solidFill>
+              </a:rPr>
+              <a:t>Shosh</a:t>
+            </a:r>
+            <a:r>
+              <a:rPr lang="en-US" sz="3200" b="1" dirty="0" err="1">
+                <a:solidFill>
+                  <a:schemeClr val="accent4"/>
+                </a:solidFill>
+              </a:rPr>
+              <a:t>a</a:t>
+            </a:r>
+            <a:r>
+              <a:rPr lang="en-US" sz="3200" b="1" dirty="0" err="1" smtClean="0">
+                <a:solidFill>
+                  <a:schemeClr val="accent4"/>
+                </a:solidFill>
+              </a:rPr>
+              <a:t>rah</a:t>
+            </a:r>
+            <a:endParaRPr lang="en-EG" sz="3200" b="1" dirty="0">
+              <a:solidFill>
+                <a:schemeClr val="accent4"/>
+              </a:solidFill>
+            </a:endParaRPr>
           </a:p>
         </p:txBody>
       </p:sp>
@@ -7738,7 +7772,12 @@
             <p:ph type="title"/>
           </p:nvPr>
         </p:nvSpPr>
-        <p:spPr/>
+        <p:spPr>
+          <a:xfrm>
+            <a:off x="205711" y="115743"/>
+            <a:ext cx="10515600" cy="1325563"/>
+          </a:xfrm>
+        </p:spPr>
         <p:txBody>
           <a:bodyPr/>
           <a:lstStyle/>
@@ -7750,10 +7789,6 @@
                 </a:solidFill>
               </a:rPr>
               <a:t>Conclusion</a:t>
-            </a:r>
-            <a:r>
-              <a:rPr lang="en-US" dirty="0" smtClean="0"/>
-              <a:t> build End to End machine learning project</a:t>
             </a:r>
             <a:endParaRPr lang="en-US" dirty="0"/>
           </a:p>
@@ -7769,7 +7804,12 @@
             <p:ph idx="1"/>
           </p:nvPr>
         </p:nvSpPr>
-        <p:spPr/>
+        <p:spPr>
+          <a:xfrm>
+            <a:off x="0" y="966643"/>
+            <a:ext cx="10515600" cy="4351338"/>
+          </a:xfrm>
+        </p:spPr>
         <p:txBody>
           <a:bodyPr/>
           <a:lstStyle/>
@@ -7934,13 +7974,46 @@
             </a:r>
             <a:r>
               <a:rPr lang="en-US" sz="2400" dirty="0" smtClean="0"/>
-              <a:t> final user</a:t>
-            </a:r>
-            <a:endParaRPr lang="en-US" sz="4000" b="1" dirty="0">
-              <a:solidFill>
-                <a:schemeClr val="accent6"/>
-              </a:solidFill>
-            </a:endParaRPr>
+              <a:t> final </a:t>
+            </a:r>
+            <a:r>
+              <a:rPr lang="en-US" sz="2400" dirty="0" smtClean="0"/>
+              <a:t>user</a:t>
+            </a:r>
+          </a:p>
+          <a:p>
+            <a:pPr algn="ctr"/>
+            <a:r>
+              <a:rPr lang="en-US" sz="2400" dirty="0" smtClean="0">
+                <a:solidFill>
+                  <a:schemeClr val="accent6"/>
+                </a:solidFill>
+              </a:rPr>
+              <a:t>Improvements :</a:t>
+            </a:r>
+          </a:p>
+          <a:p>
+            <a:pPr algn="ctr"/>
+            <a:r>
+              <a:rPr lang="en-US" sz="2400" dirty="0" smtClean="0"/>
+              <a:t>Use another embedding method such as word 2 </a:t>
+            </a:r>
+            <a:r>
+              <a:rPr lang="en-US" sz="2400" dirty="0" err="1" smtClean="0"/>
+              <a:t>vec</a:t>
+            </a:r>
+            <a:r>
+              <a:rPr lang="en-US" sz="2400" dirty="0" smtClean="0"/>
+              <a:t> </a:t>
+            </a:r>
+          </a:p>
+          <a:p>
+            <a:pPr algn="ctr"/>
+            <a:r>
+              <a:rPr lang="en-US" sz="2400" dirty="0" smtClean="0"/>
+              <a:t>Try another distance measure </a:t>
+            </a:r>
+            <a:endParaRPr lang="en-US" sz="4000" dirty="0"/>
           </a:p>
         </p:txBody>
       </p:sp>
@@ -7952,7 +8025,7 @@
         </p:nvGrpSpPr>
         <p:grpSpPr>
           <a:xfrm>
-            <a:off x="3085936" y="4070205"/>
+            <a:off x="6272482" y="4084493"/>
             <a:ext cx="5025197" cy="2466975"/>
             <a:chOff x="3535613" y="3848533"/>
             <a:chExt cx="5025197" cy="2466975"/>

--- a/Projects.pptx
+++ b/Projects.pptx
@@ -14,8 +14,8 @@
     <p:sldId id="267" r:id="rId8"/>
     <p:sldId id="268" r:id="rId9"/>
     <p:sldId id="269" r:id="rId10"/>
-    <p:sldId id="262" r:id="rId11"/>
-    <p:sldId id="271" r:id="rId12"/>
+    <p:sldId id="271" r:id="rId11"/>
+    <p:sldId id="262" r:id="rId12"/>
     <p:sldId id="272" r:id="rId13"/>
     <p:sldId id="278" r:id="rId14"/>
     <p:sldId id="273" r:id="rId15"/>
@@ -5632,7 +5632,7 @@
         <p:spPr/>
         <p:txBody>
           <a:bodyPr>
-            <a:normAutofit/>
+            <a:noAutofit/>
           </a:bodyPr>
           <a:lstStyle/>
           <a:p>
@@ -5674,7 +5674,7 @@
           <a:lstStyle/>
           <a:p>
             <a:r>
-              <a:rPr lang="en-US" sz="3200" b="1" dirty="0" err="1" smtClean="0">
+              <a:rPr lang="en-US" sz="4000" b="1" dirty="0" err="1" smtClean="0">
                 <a:solidFill>
                   <a:schemeClr val="accent4"/>
                 </a:solidFill>
@@ -5682,7 +5682,7 @@
               <a:t>Nour</a:t>
             </a:r>
             <a:r>
-              <a:rPr lang="en-US" sz="3200" b="1" dirty="0" smtClean="0">
+              <a:rPr lang="en-US" sz="4000" b="1" dirty="0" smtClean="0">
                 <a:solidFill>
                   <a:schemeClr val="accent4"/>
                 </a:solidFill>
@@ -5690,7 +5690,7 @@
               <a:t> </a:t>
             </a:r>
             <a:r>
-              <a:rPr lang="en-US" sz="3200" b="1" dirty="0" err="1" smtClean="0">
+              <a:rPr lang="en-US" sz="4000" b="1" dirty="0" err="1" smtClean="0">
                 <a:solidFill>
                   <a:schemeClr val="accent4"/>
                 </a:solidFill>
@@ -5698,7 +5698,7 @@
               <a:t>Shosh</a:t>
             </a:r>
             <a:r>
-              <a:rPr lang="en-US" sz="3200" b="1" dirty="0" err="1">
+              <a:rPr lang="en-US" sz="4000" b="1" dirty="0" err="1">
                 <a:solidFill>
                   <a:schemeClr val="accent4"/>
                 </a:solidFill>
@@ -5706,14 +5706,14 @@
               <a:t>a</a:t>
             </a:r>
             <a:r>
-              <a:rPr lang="en-US" sz="3200" b="1" dirty="0" err="1" smtClean="0">
+              <a:rPr lang="en-US" sz="4000" b="1" dirty="0" err="1" smtClean="0">
                 <a:solidFill>
                   <a:schemeClr val="accent4"/>
                 </a:solidFill>
               </a:rPr>
               <a:t>rah</a:t>
             </a:r>
-            <a:endParaRPr lang="en-EG" sz="3200" b="1" dirty="0">
+            <a:endParaRPr lang="en-EG" sz="4000" b="1" dirty="0">
               <a:solidFill>
                 <a:schemeClr val="accent4"/>
               </a:solidFill>
@@ -5742,6 +5742,103 @@
 </file>
 
 <file path=ppt/slides/slide10.xml><?xml version="1.0" encoding="utf-8"?>
+<p:sld xmlns:a="http://schemas.openxmlformats.org/drawingml/2006/main" xmlns:r="http://schemas.openxmlformats.org/officeDocument/2006/relationships" xmlns:p="http://schemas.openxmlformats.org/presentationml/2006/main">
+  <p:cSld>
+    <p:spTree>
+      <p:nvGrpSpPr>
+        <p:cNvPr id="1" name=""/>
+        <p:cNvGrpSpPr/>
+        <p:nvPr/>
+      </p:nvGrpSpPr>
+      <p:grpSpPr>
+        <a:xfrm>
+          <a:off x="0" y="0"/>
+          <a:ext cx="0" cy="0"/>
+          <a:chOff x="0" y="0"/>
+          <a:chExt cx="0" cy="0"/>
+        </a:xfrm>
+      </p:grpSpPr>
+      <p:sp>
+        <p:nvSpPr>
+          <p:cNvPr id="2" name="Title 1">
+            <a:extLst>
+              <a:ext uri="{FF2B5EF4-FFF2-40B4-BE49-F238E27FC236}">
+                <a16:creationId xmlns:a16="http://schemas.microsoft.com/office/drawing/2014/main" id="{D91DBDB0-5DF3-564C-8CD0-4969ABBA55EC}"/>
+              </a:ext>
+            </a:extLst>
+          </p:cNvPr>
+          <p:cNvSpPr>
+            <a:spLocks noGrp="1"/>
+          </p:cNvSpPr>
+          <p:nvPr>
+            <p:ph type="title"/>
+          </p:nvPr>
+        </p:nvSpPr>
+        <p:spPr>
+          <a:xfrm>
+            <a:off x="297873" y="18761"/>
+            <a:ext cx="10515600" cy="1325563"/>
+          </a:xfrm>
+        </p:spPr>
+        <p:txBody>
+          <a:bodyPr/>
+          <a:lstStyle/>
+          <a:p>
+            <a:r>
+              <a:rPr lang="en-US" dirty="0"/>
+              <a:t>Pre-processing </a:t>
+            </a:r>
+            <a:r>
+              <a:rPr lang="en-US" dirty="0" smtClean="0"/>
+              <a:t>techniques</a:t>
+            </a:r>
+            <a:endParaRPr lang="en-EG" dirty="0"/>
+          </a:p>
+        </p:txBody>
+      </p:sp>
+      <p:graphicFrame>
+        <p:nvGraphicFramePr>
+          <p:cNvPr id="3" name="Diagram 2"/>
+          <p:cNvGraphicFramePr/>
+          <p:nvPr>
+            <p:extLst>
+              <p:ext uri="{D42A27DB-BD31-4B8C-83A1-F6EECF244321}">
+                <p14:modId xmlns:p14="http://schemas.microsoft.com/office/powerpoint/2010/main" val="3179484194"/>
+              </p:ext>
+            </p:extLst>
+          </p:nvPr>
+        </p:nvGraphicFramePr>
+        <p:xfrm>
+          <a:off x="1814946" y="899775"/>
+          <a:ext cx="9522691" cy="5196225"/>
+        </p:xfrm>
+        <a:graphic>
+          <a:graphicData uri="http://schemas.openxmlformats.org/drawingml/2006/diagram">
+            <dgm:relIds xmlns:dgm="http://schemas.openxmlformats.org/drawingml/2006/diagram" xmlns:r="http://schemas.openxmlformats.org/officeDocument/2006/relationships" r:dm="rId2" r:lo="rId3" r:qs="rId4" r:cs="rId5"/>
+          </a:graphicData>
+        </a:graphic>
+      </p:graphicFrame>
+    </p:spTree>
+    <p:extLst>
+      <p:ext uri="{BB962C8B-B14F-4D97-AF65-F5344CB8AC3E}">
+        <p14:creationId xmlns:p14="http://schemas.microsoft.com/office/powerpoint/2010/main" val="1789288090"/>
+      </p:ext>
+    </p:extLst>
+  </p:cSld>
+  <p:clrMapOvr>
+    <a:masterClrMapping/>
+  </p:clrMapOvr>
+  <p:timing>
+    <p:tnLst>
+      <p:par>
+        <p:cTn id="1" dur="indefinite" restart="never" nodeType="tmRoot"/>
+      </p:par>
+    </p:tnLst>
+  </p:timing>
+</p:sld>
+</file>
+
+<file path=ppt/slides/slide11.xml><?xml version="1.0" encoding="utf-8"?>
 <p:sld xmlns:a="http://schemas.openxmlformats.org/drawingml/2006/main" xmlns:r="http://schemas.openxmlformats.org/officeDocument/2006/relationships" xmlns:p="http://schemas.openxmlformats.org/presentationml/2006/main">
   <p:cSld>
     <p:spTree>
@@ -6055,103 +6152,6 @@
 </p:sld>
 </file>
 
-<file path=ppt/slides/slide11.xml><?xml version="1.0" encoding="utf-8"?>
-<p:sld xmlns:a="http://schemas.openxmlformats.org/drawingml/2006/main" xmlns:r="http://schemas.openxmlformats.org/officeDocument/2006/relationships" xmlns:p="http://schemas.openxmlformats.org/presentationml/2006/main">
-  <p:cSld>
-    <p:spTree>
-      <p:nvGrpSpPr>
-        <p:cNvPr id="1" name=""/>
-        <p:cNvGrpSpPr/>
-        <p:nvPr/>
-      </p:nvGrpSpPr>
-      <p:grpSpPr>
-        <a:xfrm>
-          <a:off x="0" y="0"/>
-          <a:ext cx="0" cy="0"/>
-          <a:chOff x="0" y="0"/>
-          <a:chExt cx="0" cy="0"/>
-        </a:xfrm>
-      </p:grpSpPr>
-      <p:sp>
-        <p:nvSpPr>
-          <p:cNvPr id="2" name="Title 1">
-            <a:extLst>
-              <a:ext uri="{FF2B5EF4-FFF2-40B4-BE49-F238E27FC236}">
-                <a16:creationId xmlns:a16="http://schemas.microsoft.com/office/drawing/2014/main" id="{D91DBDB0-5DF3-564C-8CD0-4969ABBA55EC}"/>
-              </a:ext>
-            </a:extLst>
-          </p:cNvPr>
-          <p:cNvSpPr>
-            <a:spLocks noGrp="1"/>
-          </p:cNvSpPr>
-          <p:nvPr>
-            <p:ph type="title"/>
-          </p:nvPr>
-        </p:nvSpPr>
-        <p:spPr>
-          <a:xfrm>
-            <a:off x="297873" y="18761"/>
-            <a:ext cx="10515600" cy="1325563"/>
-          </a:xfrm>
-        </p:spPr>
-        <p:txBody>
-          <a:bodyPr/>
-          <a:lstStyle/>
-          <a:p>
-            <a:r>
-              <a:rPr lang="en-US" dirty="0"/>
-              <a:t>Pre-processing </a:t>
-            </a:r>
-            <a:r>
-              <a:rPr lang="en-US" dirty="0" smtClean="0"/>
-              <a:t>techniques</a:t>
-            </a:r>
-            <a:endParaRPr lang="en-EG" dirty="0"/>
-          </a:p>
-        </p:txBody>
-      </p:sp>
-      <p:graphicFrame>
-        <p:nvGraphicFramePr>
-          <p:cNvPr id="3" name="Diagram 2"/>
-          <p:cNvGraphicFramePr/>
-          <p:nvPr>
-            <p:extLst>
-              <p:ext uri="{D42A27DB-BD31-4B8C-83A1-F6EECF244321}">
-                <p14:modId xmlns:p14="http://schemas.microsoft.com/office/powerpoint/2010/main" val="3179484194"/>
-              </p:ext>
-            </p:extLst>
-          </p:nvPr>
-        </p:nvGraphicFramePr>
-        <p:xfrm>
-          <a:off x="1814946" y="899775"/>
-          <a:ext cx="9522691" cy="5196225"/>
-        </p:xfrm>
-        <a:graphic>
-          <a:graphicData uri="http://schemas.openxmlformats.org/drawingml/2006/diagram">
-            <dgm:relIds xmlns:dgm="http://schemas.openxmlformats.org/drawingml/2006/diagram" xmlns:r="http://schemas.openxmlformats.org/officeDocument/2006/relationships" r:dm="rId2" r:lo="rId3" r:qs="rId4" r:cs="rId5"/>
-          </a:graphicData>
-        </a:graphic>
-      </p:graphicFrame>
-    </p:spTree>
-    <p:extLst>
-      <p:ext uri="{BB962C8B-B14F-4D97-AF65-F5344CB8AC3E}">
-        <p14:creationId xmlns:p14="http://schemas.microsoft.com/office/powerpoint/2010/main" val="1789288090"/>
-      </p:ext>
-    </p:extLst>
-  </p:cSld>
-  <p:clrMapOvr>
-    <a:masterClrMapping/>
-  </p:clrMapOvr>
-  <p:timing>
-    <p:tnLst>
-      <p:par>
-        <p:cTn id="1" dur="indefinite" restart="never" nodeType="tmRoot"/>
-      </p:par>
-    </p:tnLst>
-  </p:timing>
-</p:sld>
-</file>
-
 <file path=ppt/slides/slide12.xml><?xml version="1.0" encoding="utf-8"?>
 <p:sld xmlns:a="http://schemas.openxmlformats.org/drawingml/2006/main" xmlns:r="http://schemas.openxmlformats.org/officeDocument/2006/relationships" xmlns:p="http://schemas.openxmlformats.org/presentationml/2006/main">
   <p:cSld>
@@ -7044,7 +7044,7 @@
         </p:spPr>
         <p:txBody>
           <a:bodyPr>
-            <a:normAutofit fontScale="62500" lnSpcReduction="20000"/>
+            <a:normAutofit fontScale="70000" lnSpcReduction="20000"/>
           </a:bodyPr>
           <a:lstStyle/>
           <a:p>
@@ -7222,12 +7222,6 @@
             <a:r>
               <a:rPr lang="en-US" dirty="0"/>
               <a:t>Less code is needed to create amazing web apps.</a:t>
-            </a:r>
-          </a:p>
-          <a:p>
-            <a:r>
-              <a:rPr lang="en-US" dirty="0"/>
-              <a:t>Data caching simplifies and speeds up computation pipelines</a:t>
             </a:r>
           </a:p>
           <a:p>
@@ -7974,11 +7968,7 @@
             </a:r>
             <a:r>
               <a:rPr lang="en-US" sz="2400" dirty="0" smtClean="0"/>
-              <a:t> final </a:t>
-            </a:r>
-            <a:r>
-              <a:rPr lang="en-US" sz="2400" dirty="0" smtClean="0"/>
-              <a:t>user</a:t>
+              <a:t> final user</a:t>
             </a:r>
           </a:p>
           <a:p>
@@ -7996,16 +7986,21 @@
             <a:pPr algn="ctr"/>
             <a:r>
               <a:rPr lang="en-US" sz="2400" dirty="0" smtClean="0"/>
-              <a:t>Use another embedding method such as word 2 </a:t>
-            </a:r>
-            <a:r>
-              <a:rPr lang="en-US" sz="2400" dirty="0" err="1" smtClean="0"/>
-              <a:t>vec</a:t>
+              <a:t>Use another </a:t>
             </a:r>
             <a:r>
               <a:rPr lang="en-US" sz="2400" dirty="0" smtClean="0"/>
-              <a:t> </a:t>
-            </a:r>
+              <a:t>Embedding </a:t>
+            </a:r>
+            <a:r>
+              <a:rPr lang="en-US" sz="2400" dirty="0" smtClean="0"/>
+              <a:t>method such as </a:t>
+            </a:r>
+            <a:r>
+              <a:rPr lang="en-US" sz="2400" dirty="0" smtClean="0"/>
+              <a:t>word2vec </a:t>
+            </a:r>
+            <a:endParaRPr lang="en-US" sz="2400" dirty="0" smtClean="0"/>
           </a:p>
           <a:p>
             <a:pPr algn="ctr"/>
@@ -8225,7 +8220,9 @@
         </p:nvSpPr>
         <p:spPr/>
         <p:txBody>
-          <a:bodyPr/>
+          <a:bodyPr>
+            <a:normAutofit lnSpcReduction="10000"/>
+          </a:bodyPr>
           <a:lstStyle/>
           <a:p>
             <a:r>
@@ -8284,6 +8281,25 @@
                 <a:hlinkClick r:id="rId5"/>
               </a:rPr>
               <a:t>www.datacamp.com/community/tutorials/streamlit</a:t>
+            </a:r>
+            <a:endParaRPr lang="en-US" dirty="0" smtClean="0"/>
+          </a:p>
+          <a:p>
+            <a:r>
+              <a:rPr lang="en-US" dirty="0">
+                <a:hlinkClick r:id="rId6"/>
+              </a:rPr>
+              <a:t>https://</a:t>
+            </a:r>
+            <a:r>
+              <a:rPr lang="en-US" dirty="0" smtClean="0">
+                <a:hlinkClick r:id="rId6"/>
+              </a:rPr>
+              <a:t>stevenkyle2013.medium.com/quick-intro-into-web-scraping-with-python-using-beautifulsoup-5ad319846168</a:t>
+            </a:r>
+            <a:r>
+              <a:rPr lang="en-US" dirty="0" smtClean="0"/>
+              <a:t> </a:t>
             </a:r>
             <a:endParaRPr lang="en-US" dirty="0" smtClean="0"/>
           </a:p>
@@ -8471,7 +8487,19 @@
           <a:p>
             <a:r>
               <a:rPr lang="en-US" dirty="0"/>
-              <a:t>Have A bachelor’s Degree in computer engineering from Damascus university </a:t>
+              <a:t>Have A bachelor’s Degree in </a:t>
+            </a:r>
+            <a:r>
+              <a:rPr lang="en-US" dirty="0"/>
+              <a:t>C</a:t>
+            </a:r>
+            <a:r>
+              <a:rPr lang="en-US" dirty="0" smtClean="0"/>
+              <a:t>omputer Engineering </a:t>
+            </a:r>
+            <a:r>
+              <a:rPr lang="en-US" dirty="0"/>
+              <a:t>from Damascus university </a:t>
             </a:r>
           </a:p>
           <a:p>
